--- a/docs/songs_2022-05-29.pptx
+++ b/docs/songs_2022-05-29.pptx
@@ -5,7 +5,7 @@
     <p:sldMasterId id="2147483648" r:id="rId1"/>
   </p:sldMasterIdLst>
   <p:notesMasterIdLst>
-    <p:notesMasterId r:id="rId26"/>
+    <p:notesMasterId r:id="rId30"/>
   </p:notesMasterIdLst>
   <p:sldIdLst>
     <p:sldId id="459" r:id="rId2"/>
@@ -27,11 +27,15 @@
     <p:sldId id="644" r:id="rId18"/>
     <p:sldId id="645" r:id="rId19"/>
     <p:sldId id="646" r:id="rId20"/>
-    <p:sldId id="540" r:id="rId21"/>
-    <p:sldId id="653" r:id="rId22"/>
-    <p:sldId id="654" r:id="rId23"/>
-    <p:sldId id="655" r:id="rId24"/>
-    <p:sldId id="656" r:id="rId25"/>
+    <p:sldId id="423" r:id="rId21"/>
+    <p:sldId id="424" r:id="rId22"/>
+    <p:sldId id="425" r:id="rId23"/>
+    <p:sldId id="426" r:id="rId24"/>
+    <p:sldId id="540" r:id="rId25"/>
+    <p:sldId id="653" r:id="rId26"/>
+    <p:sldId id="654" r:id="rId27"/>
+    <p:sldId id="655" r:id="rId28"/>
+    <p:sldId id="656" r:id="rId29"/>
   </p:sldIdLst>
   <p:sldSz cx="9144000" cy="6858000" type="screen4x3"/>
   <p:notesSz cx="6858000" cy="9144000"/>
@@ -5356,6 +5360,620 @@
           <a:chExt cx="0" cy="0"/>
         </a:xfrm>
       </p:grpSpPr>
+      <p:sp>
+        <p:nvSpPr>
+          <p:cNvPr id="3" name="Subtitle 2"/>
+          <p:cNvSpPr>
+            <a:spLocks noGrp="1"/>
+          </p:cNvSpPr>
+          <p:nvPr>
+            <p:ph type="subTitle" idx="1"/>
+          </p:nvPr>
+        </p:nvSpPr>
+        <p:spPr>
+          <a:xfrm>
+            <a:off x="323528" y="188640"/>
+            <a:ext cx="8640960" cy="6480720"/>
+          </a:xfrm>
+        </p:spPr>
+        <p:txBody>
+          <a:bodyPr>
+            <a:noAutofit/>
+          </a:bodyPr>
+          <a:lstStyle/>
+          <a:p>
+            <a:endParaRPr lang="en-GB" sz="9600" dirty="0"/>
+          </a:p>
+          <a:p>
+            <a:r>
+              <a:rPr lang="en-GB" sz="9600" dirty="0">
+                <a:solidFill>
+                  <a:schemeClr val="bg1"/>
+                </a:solidFill>
+              </a:rPr>
+              <a:t>Be Still</a:t>
+            </a:r>
+          </a:p>
+          <a:p>
+            <a:br>
+              <a:rPr lang="en-GB" sz="1200" dirty="0"/>
+            </a:br>
+            <a:r>
+              <a:rPr lang="en-GB" sz="1200" dirty="0"/>
+              <a:t>CCLI Song # 120824</a:t>
+            </a:r>
+          </a:p>
+          <a:p>
+            <a:endParaRPr lang="en-GB" sz="1200" dirty="0"/>
+          </a:p>
+          <a:p>
+            <a:r>
+              <a:rPr lang="en-GB" sz="1200" dirty="0"/>
+              <a:t>David J. Evans</a:t>
+            </a:r>
+          </a:p>
+          <a:p>
+            <a:endParaRPr lang="en-GB" sz="1200" dirty="0"/>
+          </a:p>
+          <a:p>
+            <a:r>
+              <a:rPr lang="en-GB" sz="1200" dirty="0"/>
+              <a:t>© 1986 Thankyou Music (Admin. by Integrity Music Ltd)</a:t>
+            </a:r>
+          </a:p>
+          <a:p>
+            <a:r>
+              <a:rPr lang="en-GB" sz="1200" dirty="0"/>
+              <a:t>For use solely with the </a:t>
+            </a:r>
+            <a:r>
+              <a:rPr lang="en-GB" sz="1200" dirty="0" err="1"/>
+              <a:t>SongSelect</a:t>
+            </a:r>
+            <a:r>
+              <a:rPr lang="en-GB" sz="1200" dirty="0"/>
+              <a:t>® Terms of Use. All rights reserved. www.ccli.com</a:t>
+            </a:r>
+          </a:p>
+          <a:p>
+            <a:endParaRPr lang="en-GB" sz="1200" dirty="0"/>
+          </a:p>
+          <a:p>
+            <a:r>
+              <a:rPr lang="en-GB" sz="1200" dirty="0"/>
+              <a:t>CCLI Licence No. 33265</a:t>
+            </a:r>
+          </a:p>
+        </p:txBody>
+      </p:sp>
+    </p:spTree>
+    <p:extLst>
+      <p:ext uri="{BB962C8B-B14F-4D97-AF65-F5344CB8AC3E}">
+        <p14:creationId xmlns:p14="http://schemas.microsoft.com/office/powerpoint/2010/main" val="3308045615"/>
+      </p:ext>
+    </p:extLst>
+  </p:cSld>
+  <p:clrMapOvr>
+    <a:masterClrMapping/>
+  </p:clrMapOvr>
+</p:sld>
+</file>
+
+<file path=ppt/slides/slide21.xml><?xml version="1.0" encoding="utf-8"?>
+<p:sld xmlns:a="http://schemas.openxmlformats.org/drawingml/2006/main" xmlns:r="http://schemas.openxmlformats.org/officeDocument/2006/relationships" xmlns:p="http://schemas.openxmlformats.org/presentationml/2006/main">
+  <p:cSld>
+    <p:spTree>
+      <p:nvGrpSpPr>
+        <p:cNvPr id="1" name=""/>
+        <p:cNvGrpSpPr/>
+        <p:nvPr/>
+      </p:nvGrpSpPr>
+      <p:grpSpPr>
+        <a:xfrm>
+          <a:off x="0" y="0"/>
+          <a:ext cx="0" cy="0"/>
+          <a:chOff x="0" y="0"/>
+          <a:chExt cx="0" cy="0"/>
+        </a:xfrm>
+      </p:grpSpPr>
+      <p:sp>
+        <p:nvSpPr>
+          <p:cNvPr id="3" name="Subtitle 2"/>
+          <p:cNvSpPr>
+            <a:spLocks noGrp="1"/>
+          </p:cNvSpPr>
+          <p:nvPr>
+            <p:ph type="subTitle" idx="1"/>
+          </p:nvPr>
+        </p:nvSpPr>
+        <p:spPr>
+          <a:xfrm>
+            <a:off x="323528" y="188640"/>
+            <a:ext cx="8640960" cy="6480720"/>
+          </a:xfrm>
+        </p:spPr>
+        <p:txBody>
+          <a:bodyPr>
+            <a:noAutofit/>
+          </a:bodyPr>
+          <a:lstStyle/>
+          <a:p>
+            <a:r>
+              <a:rPr lang="en-GB" sz="4400" dirty="0">
+                <a:solidFill>
+                  <a:schemeClr val="bg1"/>
+                </a:solidFill>
+              </a:rPr>
+              <a:t>Be still for the presence of the Lord</a:t>
+            </a:r>
+          </a:p>
+          <a:p>
+            <a:r>
+              <a:rPr lang="en-GB" sz="4400" dirty="0">
+                <a:solidFill>
+                  <a:schemeClr val="bg1"/>
+                </a:solidFill>
+              </a:rPr>
+              <a:t>The Holy One is here</a:t>
+            </a:r>
+          </a:p>
+          <a:p>
+            <a:r>
+              <a:rPr lang="en-GB" sz="4400" dirty="0">
+                <a:solidFill>
+                  <a:schemeClr val="bg1"/>
+                </a:solidFill>
+              </a:rPr>
+              <a:t>Come bow before Him now</a:t>
+            </a:r>
+          </a:p>
+          <a:p>
+            <a:r>
+              <a:rPr lang="en-GB" sz="4400" dirty="0">
+                <a:solidFill>
+                  <a:schemeClr val="bg1"/>
+                </a:solidFill>
+              </a:rPr>
+              <a:t>With reverence and fear</a:t>
+            </a:r>
+          </a:p>
+          <a:p>
+            <a:r>
+              <a:rPr lang="en-GB" sz="4400" dirty="0">
+                <a:solidFill>
+                  <a:schemeClr val="bg1"/>
+                </a:solidFill>
+              </a:rPr>
+              <a:t>In Him no sin is found</a:t>
+            </a:r>
+          </a:p>
+          <a:p>
+            <a:r>
+              <a:rPr lang="en-GB" sz="4400" dirty="0">
+                <a:solidFill>
+                  <a:schemeClr val="bg1"/>
+                </a:solidFill>
+              </a:rPr>
+              <a:t>We stand on holy ground</a:t>
+            </a:r>
+          </a:p>
+          <a:p>
+            <a:r>
+              <a:rPr lang="en-GB" sz="4400" dirty="0">
+                <a:solidFill>
+                  <a:schemeClr val="bg1"/>
+                </a:solidFill>
+              </a:rPr>
+              <a:t>Be still for the presence of the Lord</a:t>
+            </a:r>
+          </a:p>
+          <a:p>
+            <a:r>
+              <a:rPr lang="en-GB" sz="4400" dirty="0">
+                <a:solidFill>
+                  <a:schemeClr val="bg1"/>
+                </a:solidFill>
+              </a:rPr>
+              <a:t>The Holy One is here</a:t>
+            </a:r>
+          </a:p>
+        </p:txBody>
+      </p:sp>
+      <p:sp>
+        <p:nvSpPr>
+          <p:cNvPr id="4" name="TextBox 3"/>
+          <p:cNvSpPr txBox="1"/>
+          <p:nvPr/>
+        </p:nvSpPr>
+        <p:spPr>
+          <a:xfrm>
+            <a:off x="8529729" y="0"/>
+            <a:ext cx="628698" cy="461665"/>
+          </a:xfrm>
+          <a:prstGeom prst="rect">
+            <a:avLst/>
+          </a:prstGeom>
+          <a:noFill/>
+        </p:spPr>
+        <p:txBody>
+          <a:bodyPr wrap="none" rtlCol="0">
+            <a:spAutoFit/>
+          </a:bodyPr>
+          <a:lstStyle/>
+          <a:p>
+            <a:r>
+              <a:rPr lang="en-GB" sz="2400" b="1" dirty="0">
+                <a:solidFill>
+                  <a:schemeClr val="bg1"/>
+                </a:solidFill>
+              </a:rPr>
+              <a:t>1/3</a:t>
+            </a:r>
+          </a:p>
+        </p:txBody>
+      </p:sp>
+    </p:spTree>
+    <p:extLst>
+      <p:ext uri="{BB962C8B-B14F-4D97-AF65-F5344CB8AC3E}">
+        <p14:creationId xmlns:p14="http://schemas.microsoft.com/office/powerpoint/2010/main" val="163130024"/>
+      </p:ext>
+    </p:extLst>
+  </p:cSld>
+  <p:clrMapOvr>
+    <a:masterClrMapping/>
+  </p:clrMapOvr>
+</p:sld>
+</file>
+
+<file path=ppt/slides/slide22.xml><?xml version="1.0" encoding="utf-8"?>
+<p:sld xmlns:a="http://schemas.openxmlformats.org/drawingml/2006/main" xmlns:r="http://schemas.openxmlformats.org/officeDocument/2006/relationships" xmlns:p="http://schemas.openxmlformats.org/presentationml/2006/main">
+  <p:cSld>
+    <p:spTree>
+      <p:nvGrpSpPr>
+        <p:cNvPr id="1" name=""/>
+        <p:cNvGrpSpPr/>
+        <p:nvPr/>
+      </p:nvGrpSpPr>
+      <p:grpSpPr>
+        <a:xfrm>
+          <a:off x="0" y="0"/>
+          <a:ext cx="0" cy="0"/>
+          <a:chOff x="0" y="0"/>
+          <a:chExt cx="0" cy="0"/>
+        </a:xfrm>
+      </p:grpSpPr>
+      <p:sp>
+        <p:nvSpPr>
+          <p:cNvPr id="3" name="Subtitle 2"/>
+          <p:cNvSpPr>
+            <a:spLocks noGrp="1"/>
+          </p:cNvSpPr>
+          <p:nvPr>
+            <p:ph type="subTitle" idx="1"/>
+          </p:nvPr>
+        </p:nvSpPr>
+        <p:spPr>
+          <a:xfrm>
+            <a:off x="323528" y="188640"/>
+            <a:ext cx="8640960" cy="6480720"/>
+          </a:xfrm>
+        </p:spPr>
+        <p:txBody>
+          <a:bodyPr>
+            <a:noAutofit/>
+          </a:bodyPr>
+          <a:lstStyle/>
+          <a:p>
+            <a:r>
+              <a:rPr lang="en-GB" sz="4400" dirty="0">
+                <a:solidFill>
+                  <a:schemeClr val="bg1"/>
+                </a:solidFill>
+              </a:rPr>
+              <a:t>Be still for the glory of the Lord</a:t>
+            </a:r>
+          </a:p>
+          <a:p>
+            <a:r>
+              <a:rPr lang="en-GB" sz="4400" dirty="0">
+                <a:solidFill>
+                  <a:schemeClr val="bg1"/>
+                </a:solidFill>
+              </a:rPr>
+              <a:t>Is shining all around</a:t>
+            </a:r>
+          </a:p>
+          <a:p>
+            <a:r>
+              <a:rPr lang="en-GB" sz="4400" dirty="0">
+                <a:solidFill>
+                  <a:schemeClr val="bg1"/>
+                </a:solidFill>
+              </a:rPr>
+              <a:t>He burns with holy fire</a:t>
+            </a:r>
+          </a:p>
+          <a:p>
+            <a:r>
+              <a:rPr lang="en-GB" sz="4400" dirty="0">
+                <a:solidFill>
+                  <a:schemeClr val="bg1"/>
+                </a:solidFill>
+              </a:rPr>
+              <a:t>With splendour He is crowned</a:t>
+            </a:r>
+          </a:p>
+          <a:p>
+            <a:r>
+              <a:rPr lang="en-GB" sz="4400" dirty="0">
+                <a:solidFill>
+                  <a:schemeClr val="bg1"/>
+                </a:solidFill>
+              </a:rPr>
+              <a:t>How awesome is the sight</a:t>
+            </a:r>
+          </a:p>
+          <a:p>
+            <a:r>
+              <a:rPr lang="en-GB" sz="4400" dirty="0">
+                <a:solidFill>
+                  <a:schemeClr val="bg1"/>
+                </a:solidFill>
+              </a:rPr>
+              <a:t>Our radiant King of light</a:t>
+            </a:r>
+          </a:p>
+          <a:p>
+            <a:r>
+              <a:rPr lang="en-GB" sz="4400" dirty="0">
+                <a:solidFill>
+                  <a:schemeClr val="bg1"/>
+                </a:solidFill>
+              </a:rPr>
+              <a:t>Be still for the glory of the Lord</a:t>
+            </a:r>
+          </a:p>
+          <a:p>
+            <a:r>
+              <a:rPr lang="en-GB" sz="4400" dirty="0">
+                <a:solidFill>
+                  <a:schemeClr val="bg1"/>
+                </a:solidFill>
+              </a:rPr>
+              <a:t>Is shining all around</a:t>
+            </a:r>
+          </a:p>
+        </p:txBody>
+      </p:sp>
+      <p:sp>
+        <p:nvSpPr>
+          <p:cNvPr id="4" name="TextBox 3"/>
+          <p:cNvSpPr txBox="1"/>
+          <p:nvPr/>
+        </p:nvSpPr>
+        <p:spPr>
+          <a:xfrm>
+            <a:off x="8529729" y="0"/>
+            <a:ext cx="628698" cy="461665"/>
+          </a:xfrm>
+          <a:prstGeom prst="rect">
+            <a:avLst/>
+          </a:prstGeom>
+          <a:noFill/>
+        </p:spPr>
+        <p:txBody>
+          <a:bodyPr wrap="none" rtlCol="0">
+            <a:spAutoFit/>
+          </a:bodyPr>
+          <a:lstStyle/>
+          <a:p>
+            <a:r>
+              <a:rPr lang="en-GB" sz="2400" b="1" dirty="0">
+                <a:solidFill>
+                  <a:schemeClr val="bg1"/>
+                </a:solidFill>
+              </a:rPr>
+              <a:t>2/3</a:t>
+            </a:r>
+          </a:p>
+        </p:txBody>
+      </p:sp>
+    </p:spTree>
+    <p:extLst>
+      <p:ext uri="{BB962C8B-B14F-4D97-AF65-F5344CB8AC3E}">
+        <p14:creationId xmlns:p14="http://schemas.microsoft.com/office/powerpoint/2010/main" val="564552926"/>
+      </p:ext>
+    </p:extLst>
+  </p:cSld>
+  <p:clrMapOvr>
+    <a:masterClrMapping/>
+  </p:clrMapOvr>
+</p:sld>
+</file>
+
+<file path=ppt/slides/slide23.xml><?xml version="1.0" encoding="utf-8"?>
+<p:sld xmlns:a="http://schemas.openxmlformats.org/drawingml/2006/main" xmlns:r="http://schemas.openxmlformats.org/officeDocument/2006/relationships" xmlns:p="http://schemas.openxmlformats.org/presentationml/2006/main">
+  <p:cSld>
+    <p:spTree>
+      <p:nvGrpSpPr>
+        <p:cNvPr id="1" name=""/>
+        <p:cNvGrpSpPr/>
+        <p:nvPr/>
+      </p:nvGrpSpPr>
+      <p:grpSpPr>
+        <a:xfrm>
+          <a:off x="0" y="0"/>
+          <a:ext cx="0" cy="0"/>
+          <a:chOff x="0" y="0"/>
+          <a:chExt cx="0" cy="0"/>
+        </a:xfrm>
+      </p:grpSpPr>
+      <p:sp>
+        <p:nvSpPr>
+          <p:cNvPr id="3" name="Subtitle 2"/>
+          <p:cNvSpPr>
+            <a:spLocks noGrp="1"/>
+          </p:cNvSpPr>
+          <p:nvPr>
+            <p:ph type="subTitle" idx="1"/>
+          </p:nvPr>
+        </p:nvSpPr>
+        <p:spPr>
+          <a:xfrm>
+            <a:off x="323528" y="188640"/>
+            <a:ext cx="8640960" cy="6480720"/>
+          </a:xfrm>
+        </p:spPr>
+        <p:txBody>
+          <a:bodyPr>
+            <a:noAutofit/>
+          </a:bodyPr>
+          <a:lstStyle/>
+          <a:p>
+            <a:r>
+              <a:rPr lang="en-GB" sz="4400" dirty="0">
+                <a:solidFill>
+                  <a:schemeClr val="bg1"/>
+                </a:solidFill>
+              </a:rPr>
+              <a:t>Be still for the power of the Lord</a:t>
+            </a:r>
+          </a:p>
+          <a:p>
+            <a:r>
+              <a:rPr lang="en-GB" sz="4400" dirty="0">
+                <a:solidFill>
+                  <a:schemeClr val="bg1"/>
+                </a:solidFill>
+              </a:rPr>
+              <a:t>Is moving in this place</a:t>
+            </a:r>
+          </a:p>
+          <a:p>
+            <a:r>
+              <a:rPr lang="en-GB" sz="4400" dirty="0">
+                <a:solidFill>
+                  <a:schemeClr val="bg1"/>
+                </a:solidFill>
+              </a:rPr>
+              <a:t>He comes to cleanse and heal</a:t>
+            </a:r>
+          </a:p>
+          <a:p>
+            <a:r>
+              <a:rPr lang="en-GB" sz="4400" dirty="0">
+                <a:solidFill>
+                  <a:schemeClr val="bg1"/>
+                </a:solidFill>
+              </a:rPr>
+              <a:t>To minister His grace</a:t>
+            </a:r>
+          </a:p>
+          <a:p>
+            <a:r>
+              <a:rPr lang="en-GB" sz="4400" dirty="0">
+                <a:solidFill>
+                  <a:schemeClr val="bg1"/>
+                </a:solidFill>
+              </a:rPr>
+              <a:t>No work too hard for Him</a:t>
+            </a:r>
+          </a:p>
+          <a:p>
+            <a:r>
+              <a:rPr lang="en-GB" sz="4400" dirty="0">
+                <a:solidFill>
+                  <a:schemeClr val="bg1"/>
+                </a:solidFill>
+              </a:rPr>
+              <a:t>In faith receive from Him</a:t>
+            </a:r>
+          </a:p>
+          <a:p>
+            <a:r>
+              <a:rPr lang="en-GB" sz="4400" dirty="0">
+                <a:solidFill>
+                  <a:schemeClr val="bg1"/>
+                </a:solidFill>
+              </a:rPr>
+              <a:t>Be still for the power of the Lord</a:t>
+            </a:r>
+          </a:p>
+          <a:p>
+            <a:r>
+              <a:rPr lang="en-GB" sz="4400" dirty="0">
+                <a:solidFill>
+                  <a:schemeClr val="bg1"/>
+                </a:solidFill>
+              </a:rPr>
+              <a:t>Is moving in this place</a:t>
+            </a:r>
+          </a:p>
+        </p:txBody>
+      </p:sp>
+      <p:sp>
+        <p:nvSpPr>
+          <p:cNvPr id="4" name="TextBox 3"/>
+          <p:cNvSpPr txBox="1"/>
+          <p:nvPr/>
+        </p:nvSpPr>
+        <p:spPr>
+          <a:xfrm>
+            <a:off x="8529729" y="0"/>
+            <a:ext cx="628698" cy="461665"/>
+          </a:xfrm>
+          <a:prstGeom prst="rect">
+            <a:avLst/>
+          </a:prstGeom>
+          <a:noFill/>
+        </p:spPr>
+        <p:txBody>
+          <a:bodyPr wrap="none" rtlCol="0">
+            <a:spAutoFit/>
+          </a:bodyPr>
+          <a:lstStyle/>
+          <a:p>
+            <a:r>
+              <a:rPr lang="en-GB" sz="2400" b="1" dirty="0">
+                <a:solidFill>
+                  <a:schemeClr val="bg1"/>
+                </a:solidFill>
+              </a:rPr>
+              <a:t>3/3</a:t>
+            </a:r>
+          </a:p>
+        </p:txBody>
+      </p:sp>
+    </p:spTree>
+    <p:extLst>
+      <p:ext uri="{BB962C8B-B14F-4D97-AF65-F5344CB8AC3E}">
+        <p14:creationId xmlns:p14="http://schemas.microsoft.com/office/powerpoint/2010/main" val="1120616589"/>
+      </p:ext>
+    </p:extLst>
+  </p:cSld>
+  <p:clrMapOvr>
+    <a:masterClrMapping/>
+  </p:clrMapOvr>
+</p:sld>
+</file>
+
+<file path=ppt/slides/slide24.xml><?xml version="1.0" encoding="utf-8"?>
+<p:sld xmlns:a="http://schemas.openxmlformats.org/drawingml/2006/main" xmlns:r="http://schemas.openxmlformats.org/officeDocument/2006/relationships" xmlns:p="http://schemas.openxmlformats.org/presentationml/2006/main">
+  <p:cSld>
+    <p:spTree>
+      <p:nvGrpSpPr>
+        <p:cNvPr id="1" name=""/>
+        <p:cNvGrpSpPr/>
+        <p:nvPr/>
+      </p:nvGrpSpPr>
+      <p:grpSpPr>
+        <a:xfrm>
+          <a:off x="0" y="0"/>
+          <a:ext cx="0" cy="0"/>
+          <a:chOff x="0" y="0"/>
+          <a:chExt cx="0" cy="0"/>
+        </a:xfrm>
+      </p:grpSpPr>
       <p:pic>
         <p:nvPicPr>
           <p:cNvPr id="3076" name="Picture 4" descr="Hertford St Andrew : Notices">
@@ -5415,7 +6033,7 @@
 </p:sld>
 </file>
 
-<file path=ppt/slides/slide21.xml><?xml version="1.0" encoding="utf-8"?>
+<file path=ppt/slides/slide25.xml><?xml version="1.0" encoding="utf-8"?>
 <p:sld xmlns:a="http://schemas.openxmlformats.org/drawingml/2006/main" xmlns:r="http://schemas.openxmlformats.org/officeDocument/2006/relationships" xmlns:p="http://schemas.openxmlformats.org/presentationml/2006/main">
   <p:cSld>
     <p:spTree>
@@ -5475,7 +6093,7 @@
 </p:sld>
 </file>
 
-<file path=ppt/slides/slide22.xml><?xml version="1.0" encoding="utf-8"?>
+<file path=ppt/slides/slide26.xml><?xml version="1.0" encoding="utf-8"?>
 <p:sld xmlns:a="http://schemas.openxmlformats.org/drawingml/2006/main" xmlns:r="http://schemas.openxmlformats.org/officeDocument/2006/relationships" xmlns:p="http://schemas.openxmlformats.org/presentationml/2006/main">
   <p:cSld>
     <p:spTree>
@@ -5535,7 +6153,7 @@
 </p:sld>
 </file>
 
-<file path=ppt/slides/slide23.xml><?xml version="1.0" encoding="utf-8"?>
+<file path=ppt/slides/slide27.xml><?xml version="1.0" encoding="utf-8"?>
 <p:sld xmlns:a="http://schemas.openxmlformats.org/drawingml/2006/main" xmlns:r="http://schemas.openxmlformats.org/officeDocument/2006/relationships" xmlns:p="http://schemas.openxmlformats.org/presentationml/2006/main">
   <p:cSld>
     <p:spTree>
@@ -5595,7 +6213,7 @@
 </p:sld>
 </file>
 
-<file path=ppt/slides/slide24.xml><?xml version="1.0" encoding="utf-8"?>
+<file path=ppt/slides/slide28.xml><?xml version="1.0" encoding="utf-8"?>
 <p:sld xmlns:a="http://schemas.openxmlformats.org/drawingml/2006/main" xmlns:r="http://schemas.openxmlformats.org/officeDocument/2006/relationships" xmlns:p="http://schemas.openxmlformats.org/presentationml/2006/main">
   <p:cSld>
     <p:spTree>
